--- a/docs/submission files/deliverables/artifacts/Individual Capstone START presentation.pptx
+++ b/docs/submission files/deliverables/artifacts/Individual Capstone START presentation.pptx
@@ -814,7 +814,7 @@
   <p:cSld>
     <p:spTree>
       <p:nvGrpSpPr>
-        <p:cNvPr id="88" name="Shape 88"/>
+        <p:cNvPr id="89" name="Shape 89"/>
         <p:cNvGrpSpPr/>
         <p:nvPr/>
       </p:nvGrpSpPr>
@@ -828,7 +828,7 @@
       </p:grpSpPr>
       <p:sp>
         <p:nvSpPr>
-          <p:cNvPr id="89" name="Google Shape;89;g2c896b217c4_0_211:notes"/>
+          <p:cNvPr id="90" name="Google Shape;90;g2c896b217c4_0_211:notes"/>
           <p:cNvSpPr/>
           <p:nvPr>
             <p:ph idx="2" type="sldImg"/>
@@ -863,7 +863,7 @@
       </p:sp>
       <p:sp>
         <p:nvSpPr>
-          <p:cNvPr id="90" name="Google Shape;90;g2c896b217c4_0_211:notes"/>
+          <p:cNvPr id="91" name="Google Shape;91;g2c896b217c4_0_211:notes"/>
           <p:cNvSpPr txBox="1"/>
           <p:nvPr>
             <p:ph idx="1" type="body"/>
@@ -913,7 +913,7 @@
   <p:cSld>
     <p:spTree>
       <p:nvGrpSpPr>
-        <p:cNvPr id="99" name="Shape 99"/>
+        <p:cNvPr id="101" name="Shape 101"/>
         <p:cNvGrpSpPr/>
         <p:nvPr/>
       </p:nvGrpSpPr>
@@ -927,7 +927,7 @@
       </p:grpSpPr>
       <p:sp>
         <p:nvSpPr>
-          <p:cNvPr id="100" name="Google Shape;100;g2c896b217c4_0_226:notes"/>
+          <p:cNvPr id="102" name="Google Shape;102;g2c896b217c4_0_226:notes"/>
           <p:cNvSpPr/>
           <p:nvPr>
             <p:ph idx="2" type="sldImg"/>
@@ -962,7 +962,7 @@
       </p:sp>
       <p:sp>
         <p:nvSpPr>
-          <p:cNvPr id="101" name="Google Shape;101;g2c896b217c4_0_226:notes"/>
+          <p:cNvPr id="103" name="Google Shape;103;g2c896b217c4_0_226:notes"/>
           <p:cNvSpPr txBox="1"/>
           <p:nvPr>
             <p:ph idx="1" type="body"/>
@@ -1012,7 +1012,7 @@
   <p:cSld>
     <p:spTree>
       <p:nvGrpSpPr>
-        <p:cNvPr id="105" name="Shape 105"/>
+        <p:cNvPr id="108" name="Shape 108"/>
         <p:cNvGrpSpPr/>
         <p:nvPr/>
       </p:nvGrpSpPr>
@@ -1026,7 +1026,7 @@
       </p:grpSpPr>
       <p:sp>
         <p:nvSpPr>
-          <p:cNvPr id="106" name="Google Shape;106;g2c896b217c4_0_253:notes"/>
+          <p:cNvPr id="109" name="Google Shape;109;g2c896b217c4_0_253:notes"/>
           <p:cNvSpPr/>
           <p:nvPr>
             <p:ph idx="2" type="sldImg"/>
@@ -1061,7 +1061,7 @@
       </p:sp>
       <p:sp>
         <p:nvSpPr>
-          <p:cNvPr id="107" name="Google Shape;107;g2c896b217c4_0_253:notes"/>
+          <p:cNvPr id="110" name="Google Shape;110;g2c896b217c4_0_253:notes"/>
           <p:cNvSpPr txBox="1"/>
           <p:nvPr>
             <p:ph idx="1" type="body"/>
@@ -1111,7 +1111,7 @@
   <p:cSld>
     <p:spTree>
       <p:nvGrpSpPr>
-        <p:cNvPr id="112" name="Shape 112"/>
+        <p:cNvPr id="116" name="Shape 116"/>
         <p:cNvGrpSpPr/>
         <p:nvPr/>
       </p:nvGrpSpPr>
@@ -1125,7 +1125,7 @@
       </p:grpSpPr>
       <p:sp>
         <p:nvSpPr>
-          <p:cNvPr id="113" name="Google Shape;113;g2c896b217c4_0_216:notes"/>
+          <p:cNvPr id="117" name="Google Shape;117;g2c896b217c4_0_216:notes"/>
           <p:cNvSpPr/>
           <p:nvPr>
             <p:ph idx="2" type="sldImg"/>
@@ -1160,7 +1160,7 @@
       </p:sp>
       <p:sp>
         <p:nvSpPr>
-          <p:cNvPr id="114" name="Google Shape;114;g2c896b217c4_0_216:notes"/>
+          <p:cNvPr id="118" name="Google Shape;118;g2c896b217c4_0_216:notes"/>
           <p:cNvSpPr txBox="1"/>
           <p:nvPr>
             <p:ph idx="1" type="body"/>
@@ -1210,7 +1210,7 @@
   <p:cSld>
     <p:spTree>
       <p:nvGrpSpPr>
-        <p:cNvPr id="121" name="Shape 121"/>
+        <p:cNvPr id="126" name="Shape 126"/>
         <p:cNvGrpSpPr/>
         <p:nvPr/>
       </p:nvGrpSpPr>
@@ -1224,7 +1224,7 @@
       </p:grpSpPr>
       <p:sp>
         <p:nvSpPr>
-          <p:cNvPr id="122" name="Google Shape;122;g2c896b217c4_0_221:notes"/>
+          <p:cNvPr id="127" name="Google Shape;127;g2c896b217c4_0_221:notes"/>
           <p:cNvSpPr/>
           <p:nvPr>
             <p:ph idx="2" type="sldImg"/>
@@ -1259,7 +1259,7 @@
       </p:sp>
       <p:sp>
         <p:nvSpPr>
-          <p:cNvPr id="123" name="Google Shape;123;g2c896b217c4_0_221:notes"/>
+          <p:cNvPr id="128" name="Google Shape;128;g2c896b217c4_0_221:notes"/>
           <p:cNvSpPr txBox="1"/>
           <p:nvPr>
             <p:ph idx="1" type="body"/>
@@ -1309,7 +1309,7 @@
   <p:cSld>
     <p:spTree>
       <p:nvGrpSpPr>
-        <p:cNvPr id="142" name="Shape 142"/>
+        <p:cNvPr id="148" name="Shape 148"/>
         <p:cNvGrpSpPr/>
         <p:nvPr/>
       </p:nvGrpSpPr>
@@ -1323,7 +1323,7 @@
       </p:grpSpPr>
       <p:sp>
         <p:nvSpPr>
-          <p:cNvPr id="143" name="Google Shape;143;g2c896b217c4_0_238:notes"/>
+          <p:cNvPr id="149" name="Google Shape;149;g2c896b217c4_0_238:notes"/>
           <p:cNvSpPr/>
           <p:nvPr>
             <p:ph idx="2" type="sldImg"/>
@@ -1358,7 +1358,7 @@
       </p:sp>
       <p:sp>
         <p:nvSpPr>
-          <p:cNvPr id="144" name="Google Shape;144;g2c896b217c4_0_238:notes"/>
+          <p:cNvPr id="150" name="Google Shape;150;g2c896b217c4_0_238:notes"/>
           <p:cNvSpPr txBox="1"/>
           <p:nvPr>
             <p:ph idx="1" type="body"/>
@@ -1408,7 +1408,7 @@
   <p:cSld>
     <p:spTree>
       <p:nvGrpSpPr>
-        <p:cNvPr id="148" name="Shape 148"/>
+        <p:cNvPr id="155" name="Shape 155"/>
         <p:cNvGrpSpPr/>
         <p:nvPr/>
       </p:nvGrpSpPr>
@@ -1422,7 +1422,7 @@
       </p:grpSpPr>
       <p:sp>
         <p:nvSpPr>
-          <p:cNvPr id="149" name="Google Shape;149;g2c896b217c4_0_243:notes"/>
+          <p:cNvPr id="156" name="Google Shape;156;g2c896b217c4_0_243:notes"/>
           <p:cNvSpPr/>
           <p:nvPr>
             <p:ph idx="2" type="sldImg"/>
@@ -1457,7 +1457,7 @@
       </p:sp>
       <p:sp>
         <p:nvSpPr>
-          <p:cNvPr id="150" name="Google Shape;150;g2c896b217c4_0_243:notes"/>
+          <p:cNvPr id="157" name="Google Shape;157;g2c896b217c4_0_243:notes"/>
           <p:cNvSpPr txBox="1"/>
           <p:nvPr>
             <p:ph idx="1" type="body"/>
@@ -1507,7 +1507,7 @@
   <p:cSld>
     <p:spTree>
       <p:nvGrpSpPr>
-        <p:cNvPr id="154" name="Shape 154"/>
+        <p:cNvPr id="162" name="Shape 162"/>
         <p:cNvGrpSpPr/>
         <p:nvPr/>
       </p:nvGrpSpPr>
@@ -1521,7 +1521,7 @@
       </p:grpSpPr>
       <p:sp>
         <p:nvSpPr>
-          <p:cNvPr id="155" name="Google Shape;155;g2c8e7de6407_0_0:notes"/>
+          <p:cNvPr id="163" name="Google Shape;163;g2c8e7de6407_0_0:notes"/>
           <p:cNvSpPr/>
           <p:nvPr>
             <p:ph idx="2" type="sldImg"/>
@@ -1556,7 +1556,7 @@
       </p:sp>
       <p:sp>
         <p:nvSpPr>
-          <p:cNvPr id="156" name="Google Shape;156;g2c8e7de6407_0_0:notes"/>
+          <p:cNvPr id="164" name="Google Shape;164;g2c8e7de6407_0_0:notes"/>
           <p:cNvSpPr txBox="1"/>
           <p:nvPr>
             <p:ph idx="1" type="body"/>
@@ -7195,7 +7195,7 @@
     <p:sldLayoutId id="2147483657" r:id="rId10"/>
     <p:sldLayoutId id="2147483658" r:id="rId11"/>
   </p:sldLayoutIdLst>
-  <p:hf dt="0" ftr="0" hdr="0" sldNum="0"/>
+  <p:hf dt="0" ftr="0" hdr="0"/>
   <p:txStyles>
     <p:titleStyle>
       <a:defPPr lvl="0" marR="0" rtl="0" algn="l">
@@ -7985,6 +7985,46 @@
           </a:p>
         </p:txBody>
       </p:sp>
+      <p:sp>
+        <p:nvSpPr>
+          <p:cNvPr id="88" name="Google Shape;88;p13"/>
+          <p:cNvSpPr txBox="1"/>
+          <p:nvPr>
+            <p:ph idx="12" type="sldNum"/>
+          </p:nvPr>
+        </p:nvSpPr>
+        <p:spPr>
+          <a:xfrm>
+            <a:off x="8536302" y="4749851"/>
+            <a:ext cx="548700" cy="393600"/>
+          </a:xfrm>
+          <a:prstGeom prst="rect">
+            <a:avLst/>
+          </a:prstGeom>
+        </p:spPr>
+        <p:txBody>
+          <a:bodyPr anchorCtr="0" anchor="ctr" bIns="91425" lIns="91425" spcFirstLastPara="1" rIns="91425" wrap="square" tIns="91425">
+            <a:normAutofit/>
+          </a:bodyPr>
+          <a:lstStyle/>
+          <a:p>
+            <a:pPr indent="0" lvl="0" marL="0" rtl="0" algn="r">
+              <a:spcBef>
+                <a:spcPts val="0"/>
+              </a:spcBef>
+              <a:spcAft>
+                <a:spcPts val="0"/>
+              </a:spcAft>
+              <a:buNone/>
+            </a:pPr>
+            <a:fld id="{00000000-1234-1234-1234-123412341234}" type="slidenum">
+              <a:rPr lang="en"/>
+              <a:t>‹#›</a:t>
+            </a:fld>
+            <a:endParaRPr/>
+          </a:p>
+        </p:txBody>
+      </p:sp>
     </p:spTree>
   </p:cSld>
   <p:clrMapOvr>
@@ -7998,7 +8038,7 @@
   <p:cSld>
     <p:spTree>
       <p:nvGrpSpPr>
-        <p:cNvPr id="91" name="Shape 91"/>
+        <p:cNvPr id="92" name="Shape 92"/>
         <p:cNvGrpSpPr/>
         <p:nvPr/>
       </p:nvGrpSpPr>
@@ -8012,7 +8052,7 @@
       </p:grpSpPr>
       <p:pic>
         <p:nvPicPr>
-          <p:cNvPr id="92" name="Google Shape;92;p14"/>
+          <p:cNvPr id="93" name="Google Shape;93;p14"/>
           <p:cNvPicPr preferRelativeResize="0"/>
           <p:nvPr/>
         </p:nvPicPr>
@@ -8040,7 +8080,7 @@
       </p:pic>
       <p:sp>
         <p:nvSpPr>
-          <p:cNvPr id="93" name="Google Shape;93;p14"/>
+          <p:cNvPr id="94" name="Google Shape;94;p14"/>
           <p:cNvSpPr txBox="1"/>
           <p:nvPr>
             <p:ph type="title"/>
@@ -8080,7 +8120,7 @@
       </p:sp>
       <p:sp>
         <p:nvSpPr>
-          <p:cNvPr id="94" name="Google Shape;94;p14"/>
+          <p:cNvPr id="95" name="Google Shape;95;p14"/>
           <p:cNvSpPr txBox="1"/>
           <p:nvPr>
             <p:ph idx="1" type="body"/>
@@ -8189,7 +8229,7 @@
       </p:sp>
       <p:pic>
         <p:nvPicPr>
-          <p:cNvPr id="95" name="Google Shape;95;p14"/>
+          <p:cNvPr id="96" name="Google Shape;96;p14"/>
           <p:cNvPicPr preferRelativeResize="0"/>
           <p:nvPr/>
         </p:nvPicPr>
@@ -8205,34 +8245,6 @@
           <a:xfrm>
             <a:off x="5339850" y="1076100"/>
             <a:ext cx="1721475" cy="1721475"/>
-          </a:xfrm>
-          <a:prstGeom prst="rect">
-            <a:avLst/>
-          </a:prstGeom>
-          <a:noFill/>
-          <a:ln>
-            <a:noFill/>
-          </a:ln>
-        </p:spPr>
-      </p:pic>
-      <p:pic>
-        <p:nvPicPr>
-          <p:cNvPr id="96" name="Google Shape;96;p14"/>
-          <p:cNvPicPr preferRelativeResize="0"/>
-          <p:nvPr/>
-        </p:nvPicPr>
-        <p:blipFill>
-          <a:blip r:embed="rId5">
-            <a:alphaModFix/>
-          </a:blip>
-          <a:stretch>
-            <a:fillRect/>
-          </a:stretch>
-        </p:blipFill>
-        <p:spPr>
-          <a:xfrm>
-            <a:off x="6613450" y="2078875"/>
-            <a:ext cx="1257125" cy="1257125"/>
           </a:xfrm>
           <a:prstGeom prst="rect">
             <a:avLst/>
@@ -8250,7 +8262,7 @@
           <p:nvPr/>
         </p:nvPicPr>
         <p:blipFill>
-          <a:blip r:embed="rId6">
+          <a:blip r:embed="rId5">
             <a:alphaModFix/>
           </a:blip>
           <a:stretch>
@@ -8259,8 +8271,8 @@
         </p:blipFill>
         <p:spPr>
           <a:xfrm>
-            <a:off x="4691576" y="2719825"/>
-            <a:ext cx="2259077" cy="1505673"/>
+            <a:off x="6613450" y="2078875"/>
+            <a:ext cx="1257125" cy="1257125"/>
           </a:xfrm>
           <a:prstGeom prst="rect">
             <a:avLst/>
@@ -8278,7 +8290,7 @@
           <p:nvPr/>
         </p:nvPicPr>
         <p:blipFill>
-          <a:blip r:embed="rId7">
+          <a:blip r:embed="rId6">
             <a:alphaModFix/>
           </a:blip>
           <a:stretch>
@@ -8287,8 +8299,8 @@
         </p:blipFill>
         <p:spPr>
           <a:xfrm>
-            <a:off x="6950650" y="779875"/>
-            <a:ext cx="1791875" cy="1791875"/>
+            <a:off x="4691576" y="2719825"/>
+            <a:ext cx="2259077" cy="1505673"/>
           </a:xfrm>
           <a:prstGeom prst="rect">
             <a:avLst/>
@@ -8299,6 +8311,74 @@
           </a:ln>
         </p:spPr>
       </p:pic>
+      <p:pic>
+        <p:nvPicPr>
+          <p:cNvPr id="99" name="Google Shape;99;p14"/>
+          <p:cNvPicPr preferRelativeResize="0"/>
+          <p:nvPr/>
+        </p:nvPicPr>
+        <p:blipFill>
+          <a:blip r:embed="rId7">
+            <a:alphaModFix/>
+          </a:blip>
+          <a:stretch>
+            <a:fillRect/>
+          </a:stretch>
+        </p:blipFill>
+        <p:spPr>
+          <a:xfrm>
+            <a:off x="6950650" y="779875"/>
+            <a:ext cx="1791875" cy="1791875"/>
+          </a:xfrm>
+          <a:prstGeom prst="rect">
+            <a:avLst/>
+          </a:prstGeom>
+          <a:noFill/>
+          <a:ln>
+            <a:noFill/>
+          </a:ln>
+        </p:spPr>
+      </p:pic>
+      <p:sp>
+        <p:nvSpPr>
+          <p:cNvPr id="100" name="Google Shape;100;p14"/>
+          <p:cNvSpPr txBox="1"/>
+          <p:nvPr>
+            <p:ph idx="12" type="sldNum"/>
+          </p:nvPr>
+        </p:nvSpPr>
+        <p:spPr>
+          <a:xfrm>
+            <a:off x="8536302" y="4749851"/>
+            <a:ext cx="548700" cy="393600"/>
+          </a:xfrm>
+          <a:prstGeom prst="rect">
+            <a:avLst/>
+          </a:prstGeom>
+        </p:spPr>
+        <p:txBody>
+          <a:bodyPr anchorCtr="0" anchor="ctr" bIns="91425" lIns="91425" spcFirstLastPara="1" rIns="91425" wrap="square" tIns="91425">
+            <a:normAutofit/>
+          </a:bodyPr>
+          <a:lstStyle/>
+          <a:p>
+            <a:pPr indent="0" lvl="0" marL="0" rtl="0" algn="r">
+              <a:spcBef>
+                <a:spcPts val="0"/>
+              </a:spcBef>
+              <a:spcAft>
+                <a:spcPts val="0"/>
+              </a:spcAft>
+              <a:buNone/>
+            </a:pPr>
+            <a:fld id="{00000000-1234-1234-1234-123412341234}" type="slidenum">
+              <a:rPr lang="en"/>
+              <a:t>‹#›</a:t>
+            </a:fld>
+            <a:endParaRPr/>
+          </a:p>
+        </p:txBody>
+      </p:sp>
     </p:spTree>
   </p:cSld>
   <p:clrMapOvr>
@@ -8312,7 +8392,7 @@
   <p:cSld>
     <p:spTree>
       <p:nvGrpSpPr>
-        <p:cNvPr id="102" name="Shape 102"/>
+        <p:cNvPr id="104" name="Shape 104"/>
         <p:cNvGrpSpPr/>
         <p:nvPr/>
       </p:nvGrpSpPr>
@@ -8326,7 +8406,7 @@
       </p:grpSpPr>
       <p:sp>
         <p:nvSpPr>
-          <p:cNvPr id="103" name="Google Shape;103;p15"/>
+          <p:cNvPr id="105" name="Google Shape;105;p15"/>
           <p:cNvSpPr txBox="1"/>
           <p:nvPr>
             <p:ph type="title"/>
@@ -8366,7 +8446,7 @@
       </p:sp>
       <p:sp>
         <p:nvSpPr>
-          <p:cNvPr id="104" name="Google Shape;104;p15"/>
+          <p:cNvPr id="106" name="Google Shape;106;p15"/>
           <p:cNvSpPr txBox="1"/>
           <p:nvPr>
             <p:ph idx="1" type="body"/>
@@ -8486,6 +8566,46 @@
               <a:rPr lang="en"/>
               <a:t>Allows for personal notes on each part of a series</a:t>
             </a:r>
+            <a:endParaRPr/>
+          </a:p>
+        </p:txBody>
+      </p:sp>
+      <p:sp>
+        <p:nvSpPr>
+          <p:cNvPr id="107" name="Google Shape;107;p15"/>
+          <p:cNvSpPr txBox="1"/>
+          <p:nvPr>
+            <p:ph idx="12" type="sldNum"/>
+          </p:nvPr>
+        </p:nvSpPr>
+        <p:spPr>
+          <a:xfrm>
+            <a:off x="8536302" y="4749851"/>
+            <a:ext cx="548700" cy="393600"/>
+          </a:xfrm>
+          <a:prstGeom prst="rect">
+            <a:avLst/>
+          </a:prstGeom>
+        </p:spPr>
+        <p:txBody>
+          <a:bodyPr anchorCtr="0" anchor="ctr" bIns="91425" lIns="91425" spcFirstLastPara="1" rIns="91425" wrap="square" tIns="91425">
+            <a:normAutofit/>
+          </a:bodyPr>
+          <a:lstStyle/>
+          <a:p>
+            <a:pPr indent="0" lvl="0" marL="0" rtl="0" algn="r">
+              <a:spcBef>
+                <a:spcPts val="0"/>
+              </a:spcBef>
+              <a:spcAft>
+                <a:spcPts val="0"/>
+              </a:spcAft>
+              <a:buNone/>
+            </a:pPr>
+            <a:fld id="{00000000-1234-1234-1234-123412341234}" type="slidenum">
+              <a:rPr lang="en"/>
+              <a:t>‹#›</a:t>
+            </a:fld>
             <a:endParaRPr/>
           </a:p>
         </p:txBody>
@@ -8503,7 +8623,7 @@
   <p:cSld>
     <p:spTree>
       <p:nvGrpSpPr>
-        <p:cNvPr id="108" name="Shape 108"/>
+        <p:cNvPr id="111" name="Shape 111"/>
         <p:cNvGrpSpPr/>
         <p:nvPr/>
       </p:nvGrpSpPr>
@@ -8517,7 +8637,7 @@
       </p:grpSpPr>
       <p:sp>
         <p:nvSpPr>
-          <p:cNvPr id="109" name="Google Shape;109;p16"/>
+          <p:cNvPr id="112" name="Google Shape;112;p16"/>
           <p:cNvSpPr txBox="1"/>
           <p:nvPr>
             <p:ph type="title"/>
@@ -8557,7 +8677,7 @@
       </p:sp>
       <p:sp>
         <p:nvSpPr>
-          <p:cNvPr id="110" name="Google Shape;110;p16"/>
+          <p:cNvPr id="113" name="Google Shape;113;p16"/>
           <p:cNvSpPr txBox="1"/>
           <p:nvPr>
             <p:ph idx="1" type="body"/>
@@ -8632,7 +8752,7 @@
       </p:sp>
       <p:pic>
         <p:nvPicPr>
-          <p:cNvPr id="111" name="Google Shape;111;p16"/>
+          <p:cNvPr id="114" name="Google Shape;114;p16"/>
           <p:cNvPicPr preferRelativeResize="0"/>
           <p:nvPr/>
         </p:nvPicPr>
@@ -8658,6 +8778,46 @@
           </a:ln>
         </p:spPr>
       </p:pic>
+      <p:sp>
+        <p:nvSpPr>
+          <p:cNvPr id="115" name="Google Shape;115;p16"/>
+          <p:cNvSpPr txBox="1"/>
+          <p:nvPr>
+            <p:ph idx="12" type="sldNum"/>
+          </p:nvPr>
+        </p:nvSpPr>
+        <p:spPr>
+          <a:xfrm>
+            <a:off x="8536302" y="4749851"/>
+            <a:ext cx="548700" cy="393600"/>
+          </a:xfrm>
+          <a:prstGeom prst="rect">
+            <a:avLst/>
+          </a:prstGeom>
+        </p:spPr>
+        <p:txBody>
+          <a:bodyPr anchorCtr="0" anchor="ctr" bIns="91425" lIns="91425" spcFirstLastPara="1" rIns="91425" wrap="square" tIns="91425">
+            <a:normAutofit/>
+          </a:bodyPr>
+          <a:lstStyle/>
+          <a:p>
+            <a:pPr indent="0" lvl="0" marL="0" rtl="0" algn="r">
+              <a:spcBef>
+                <a:spcPts val="0"/>
+              </a:spcBef>
+              <a:spcAft>
+                <a:spcPts val="0"/>
+              </a:spcAft>
+              <a:buNone/>
+            </a:pPr>
+            <a:fld id="{00000000-1234-1234-1234-123412341234}" type="slidenum">
+              <a:rPr lang="en"/>
+              <a:t>‹#›</a:t>
+            </a:fld>
+            <a:endParaRPr/>
+          </a:p>
+        </p:txBody>
+      </p:sp>
     </p:spTree>
   </p:cSld>
   <p:clrMapOvr>
@@ -8671,7 +8831,7 @@
   <p:cSld>
     <p:spTree>
       <p:nvGrpSpPr>
-        <p:cNvPr id="115" name="Shape 115"/>
+        <p:cNvPr id="119" name="Shape 119"/>
         <p:cNvGrpSpPr/>
         <p:nvPr/>
       </p:nvGrpSpPr>
@@ -8685,7 +8845,7 @@
       </p:grpSpPr>
       <p:sp>
         <p:nvSpPr>
-          <p:cNvPr id="116" name="Google Shape;116;p17"/>
+          <p:cNvPr id="120" name="Google Shape;120;p17"/>
           <p:cNvSpPr txBox="1"/>
           <p:nvPr>
             <p:ph type="title"/>
@@ -8725,7 +8885,7 @@
       </p:sp>
       <p:pic>
         <p:nvPicPr>
-          <p:cNvPr id="117" name="Google Shape;117;p17"/>
+          <p:cNvPr id="121" name="Google Shape;121;p17"/>
           <p:cNvPicPr preferRelativeResize="0"/>
           <p:nvPr/>
         </p:nvPicPr>
@@ -8753,7 +8913,7 @@
       </p:pic>
       <p:pic>
         <p:nvPicPr>
-          <p:cNvPr id="118" name="Google Shape;118;p17"/>
+          <p:cNvPr id="122" name="Google Shape;122;p17"/>
           <p:cNvPicPr preferRelativeResize="0"/>
           <p:nvPr/>
         </p:nvPicPr>
@@ -8781,7 +8941,7 @@
       </p:pic>
       <p:pic>
         <p:nvPicPr>
-          <p:cNvPr id="119" name="Google Shape;119;p17"/>
+          <p:cNvPr id="123" name="Google Shape;123;p17"/>
           <p:cNvPicPr preferRelativeResize="0"/>
           <p:nvPr/>
         </p:nvPicPr>
@@ -8809,7 +8969,7 @@
       </p:pic>
       <p:pic>
         <p:nvPicPr>
-          <p:cNvPr id="120" name="Google Shape;120;p17"/>
+          <p:cNvPr id="124" name="Google Shape;124;p17"/>
           <p:cNvPicPr preferRelativeResize="0"/>
           <p:nvPr/>
         </p:nvPicPr>
@@ -8835,6 +8995,46 @@
           </a:ln>
         </p:spPr>
       </p:pic>
+      <p:sp>
+        <p:nvSpPr>
+          <p:cNvPr id="125" name="Google Shape;125;p17"/>
+          <p:cNvSpPr txBox="1"/>
+          <p:nvPr>
+            <p:ph idx="12" type="sldNum"/>
+          </p:nvPr>
+        </p:nvSpPr>
+        <p:spPr>
+          <a:xfrm>
+            <a:off x="8536302" y="4749851"/>
+            <a:ext cx="548700" cy="393600"/>
+          </a:xfrm>
+          <a:prstGeom prst="rect">
+            <a:avLst/>
+          </a:prstGeom>
+        </p:spPr>
+        <p:txBody>
+          <a:bodyPr anchorCtr="0" anchor="ctr" bIns="91425" lIns="91425" spcFirstLastPara="1" rIns="91425" wrap="square" tIns="91425">
+            <a:normAutofit/>
+          </a:bodyPr>
+          <a:lstStyle/>
+          <a:p>
+            <a:pPr indent="0" lvl="0" marL="0" rtl="0" algn="r">
+              <a:spcBef>
+                <a:spcPts val="0"/>
+              </a:spcBef>
+              <a:spcAft>
+                <a:spcPts val="0"/>
+              </a:spcAft>
+              <a:buNone/>
+            </a:pPr>
+            <a:fld id="{00000000-1234-1234-1234-123412341234}" type="slidenum">
+              <a:rPr lang="en"/>
+              <a:t>‹#›</a:t>
+            </a:fld>
+            <a:endParaRPr/>
+          </a:p>
+        </p:txBody>
+      </p:sp>
     </p:spTree>
   </p:cSld>
   <p:clrMapOvr>
@@ -8848,7 +9048,7 @@
   <p:cSld>
     <p:spTree>
       <p:nvGrpSpPr>
-        <p:cNvPr id="124" name="Shape 124"/>
+        <p:cNvPr id="129" name="Shape 129"/>
         <p:cNvGrpSpPr/>
         <p:nvPr/>
       </p:nvGrpSpPr>
@@ -8862,7 +9062,7 @@
       </p:grpSpPr>
       <p:sp>
         <p:nvSpPr>
-          <p:cNvPr id="125" name="Google Shape;125;p18"/>
+          <p:cNvPr id="130" name="Google Shape;130;p18"/>
           <p:cNvSpPr txBox="1"/>
           <p:nvPr>
             <p:ph type="title"/>
@@ -8902,7 +9102,7 @@
       </p:sp>
       <p:sp>
         <p:nvSpPr>
-          <p:cNvPr id="126" name="Google Shape;126;p18"/>
+          <p:cNvPr id="131" name="Google Shape;131;p18"/>
           <p:cNvSpPr txBox="1"/>
           <p:nvPr>
             <p:ph idx="1" type="body"/>
@@ -8977,7 +9177,7 @@
       </p:sp>
       <p:sp>
         <p:nvSpPr>
-          <p:cNvPr id="127" name="Google Shape;127;p18"/>
+          <p:cNvPr id="132" name="Google Shape;132;p18"/>
           <p:cNvSpPr txBox="1"/>
           <p:nvPr>
             <p:ph type="title"/>
@@ -9021,7 +9221,7 @@
       </p:sp>
       <p:sp>
         <p:nvSpPr>
-          <p:cNvPr id="128" name="Google Shape;128;p18"/>
+          <p:cNvPr id="133" name="Google Shape;133;p18"/>
           <p:cNvSpPr txBox="1"/>
           <p:nvPr>
             <p:ph idx="1" type="body"/>
@@ -9096,7 +9296,7 @@
       </p:sp>
       <p:sp>
         <p:nvSpPr>
-          <p:cNvPr id="129" name="Google Shape;129;p18"/>
+          <p:cNvPr id="134" name="Google Shape;134;p18"/>
           <p:cNvSpPr/>
           <p:nvPr/>
         </p:nvSpPr>
@@ -9182,7 +9382,7 @@
       </p:sp>
       <p:sp>
         <p:nvSpPr>
-          <p:cNvPr id="130" name="Google Shape;130;p18"/>
+          <p:cNvPr id="135" name="Google Shape;135;p18"/>
           <p:cNvSpPr/>
           <p:nvPr/>
         </p:nvSpPr>
@@ -9268,9 +9468,9 @@
       </p:sp>
       <p:cxnSp>
         <p:nvCxnSpPr>
-          <p:cNvPr id="131" name="Google Shape;131;p18"/>
+          <p:cNvPr id="136" name="Google Shape;136;p18"/>
           <p:cNvCxnSpPr>
-            <a:endCxn id="130" idx="1"/>
+            <a:endCxn id="135" idx="1"/>
           </p:cNvCxnSpPr>
           <p:nvPr/>
         </p:nvCxnSpPr>
@@ -9296,7 +9496,7 @@
       </p:cxnSp>
       <p:sp>
         <p:nvSpPr>
-          <p:cNvPr id="132" name="Google Shape;132;p18"/>
+          <p:cNvPr id="137" name="Google Shape;137;p18"/>
           <p:cNvSpPr/>
           <p:nvPr/>
         </p:nvSpPr>
@@ -9356,7 +9556,7 @@
       </p:sp>
       <p:sp>
         <p:nvSpPr>
-          <p:cNvPr id="133" name="Google Shape;133;p18"/>
+          <p:cNvPr id="138" name="Google Shape;138;p18"/>
           <p:cNvSpPr/>
           <p:nvPr/>
         </p:nvSpPr>
@@ -9416,7 +9616,7 @@
       </p:sp>
       <p:sp>
         <p:nvSpPr>
-          <p:cNvPr id="134" name="Google Shape;134;p18"/>
+          <p:cNvPr id="139" name="Google Shape;139;p18"/>
           <p:cNvSpPr/>
           <p:nvPr/>
         </p:nvSpPr>
@@ -9476,7 +9676,7 @@
       </p:sp>
       <p:sp>
         <p:nvSpPr>
-          <p:cNvPr id="135" name="Google Shape;135;p18"/>
+          <p:cNvPr id="140" name="Google Shape;140;p18"/>
           <p:cNvSpPr/>
           <p:nvPr/>
         </p:nvSpPr>
@@ -9536,7 +9736,7 @@
       </p:sp>
       <p:sp>
         <p:nvSpPr>
-          <p:cNvPr id="136" name="Google Shape;136;p18"/>
+          <p:cNvPr id="141" name="Google Shape;141;p18"/>
           <p:cNvSpPr/>
           <p:nvPr/>
         </p:nvSpPr>
@@ -9605,7 +9805,7 @@
       </p:sp>
       <p:sp>
         <p:nvSpPr>
-          <p:cNvPr id="137" name="Google Shape;137;p18"/>
+          <p:cNvPr id="142" name="Google Shape;142;p18"/>
           <p:cNvSpPr/>
           <p:nvPr/>
         </p:nvSpPr>
@@ -9665,9 +9865,9 @@
       </p:sp>
       <p:cxnSp>
         <p:nvCxnSpPr>
-          <p:cNvPr id="138" name="Google Shape;138;p18"/>
+          <p:cNvPr id="143" name="Google Shape;143;p18"/>
           <p:cNvCxnSpPr>
-            <a:endCxn id="132" idx="1"/>
+            <a:endCxn id="137" idx="1"/>
           </p:cNvCxnSpPr>
           <p:nvPr/>
         </p:nvCxnSpPr>
@@ -9693,9 +9893,9 @@
       </p:cxnSp>
       <p:cxnSp>
         <p:nvCxnSpPr>
-          <p:cNvPr id="139" name="Google Shape;139;p18"/>
+          <p:cNvPr id="144" name="Google Shape;144;p18"/>
           <p:cNvCxnSpPr>
-            <a:endCxn id="134" idx="2"/>
+            <a:endCxn id="139" idx="2"/>
           </p:cNvCxnSpPr>
           <p:nvPr/>
         </p:nvCxnSpPr>
@@ -9721,9 +9921,9 @@
       </p:cxnSp>
       <p:cxnSp>
         <p:nvCxnSpPr>
-          <p:cNvPr id="140" name="Google Shape;140;p18"/>
+          <p:cNvPr id="145" name="Google Shape;145;p18"/>
           <p:cNvCxnSpPr>
-            <a:endCxn id="135" idx="2"/>
+            <a:endCxn id="140" idx="2"/>
           </p:cNvCxnSpPr>
           <p:nvPr/>
         </p:nvCxnSpPr>
@@ -9749,9 +9949,9 @@
       </p:cxnSp>
       <p:cxnSp>
         <p:nvCxnSpPr>
-          <p:cNvPr id="141" name="Google Shape;141;p18"/>
+          <p:cNvPr id="146" name="Google Shape;146;p18"/>
           <p:cNvCxnSpPr>
-            <a:endCxn id="133" idx="1"/>
+            <a:endCxn id="138" idx="1"/>
           </p:cNvCxnSpPr>
           <p:nvPr/>
         </p:nvCxnSpPr>
@@ -9775,95 +9975,30 @@
           </a:ln>
         </p:spPr>
       </p:cxnSp>
-    </p:spTree>
-  </p:cSld>
-  <p:clrMapOvr>
-    <a:masterClrMapping/>
-  </p:clrMapOvr>
-</p:sld>
-</file>
-
-<file path=ppt/slides/slide7.xml><?xml version="1.0" encoding="utf-8"?>
-<p:sld xmlns:a="http://schemas.openxmlformats.org/drawingml/2006/main" xmlns:r="http://schemas.openxmlformats.org/officeDocument/2006/relationships" xmlns:mc="http://schemas.openxmlformats.org/markup-compatibility/2006" xmlns:mv="urn:schemas-microsoft-com:mac:vml" xmlns:p="http://schemas.openxmlformats.org/presentationml/2006/main" xmlns:c="http://schemas.openxmlformats.org/drawingml/2006/chart" xmlns:dgm="http://schemas.openxmlformats.org/drawingml/2006/diagram" xmlns:o="urn:schemas-microsoft-com:office:office" xmlns:v="urn:schemas-microsoft-com:vml" xmlns:pvml="urn:schemas-microsoft-com:office:powerpoint" xmlns:com="http://schemas.openxmlformats.org/drawingml/2006/compatibility" xmlns:p14="http://schemas.microsoft.com/office/powerpoint/2010/main" xmlns:p15="http://schemas.microsoft.com/office/powerpoint/2012/main" xmlns:ahyp="http://schemas.microsoft.com/office/drawing/2018/hyperlinkcolor">
-  <p:cSld>
-    <p:spTree>
-      <p:nvGrpSpPr>
-        <p:cNvPr id="145" name="Shape 145"/>
-        <p:cNvGrpSpPr/>
-        <p:nvPr/>
-      </p:nvGrpSpPr>
-      <p:grpSpPr>
-        <a:xfrm>
-          <a:off x="0" y="0"/>
-          <a:ext cx="0" cy="0"/>
-          <a:chOff x="0" y="0"/>
-          <a:chExt cx="0" cy="0"/>
-        </a:xfrm>
-      </p:grpSpPr>
       <p:sp>
         <p:nvSpPr>
-          <p:cNvPr id="146" name="Google Shape;146;p19"/>
+          <p:cNvPr id="147" name="Google Shape;147;p18"/>
           <p:cNvSpPr txBox="1"/>
           <p:nvPr>
-            <p:ph type="title"/>
+            <p:ph idx="12" type="sldNum"/>
           </p:nvPr>
         </p:nvSpPr>
         <p:spPr>
           <a:xfrm>
-            <a:off x="729450" y="1318650"/>
-            <a:ext cx="7688700" cy="535200"/>
+            <a:off x="8536302" y="4749851"/>
+            <a:ext cx="548700" cy="393600"/>
           </a:xfrm>
           <a:prstGeom prst="rect">
             <a:avLst/>
           </a:prstGeom>
         </p:spPr>
         <p:txBody>
-          <a:bodyPr anchorCtr="0" anchor="t" bIns="91425" lIns="91425" spcFirstLastPara="1" rIns="91425" wrap="square" tIns="91425">
-            <a:normAutofit fontScale="90000"/>
-          </a:bodyPr>
-          <a:lstStyle/>
-          <a:p>
-            <a:pPr indent="0" lvl="0" marL="0" rtl="0" algn="l">
-              <a:spcBef>
-                <a:spcPts val="0"/>
-              </a:spcBef>
-              <a:spcAft>
-                <a:spcPts val="0"/>
-              </a:spcAft>
-              <a:buNone/>
-            </a:pPr>
-            <a:r>
-              <a:rPr lang="en"/>
-              <a:t>Schedule</a:t>
-            </a:r>
-            <a:endParaRPr/>
-          </a:p>
-        </p:txBody>
-      </p:sp>
-      <p:sp>
-        <p:nvSpPr>
-          <p:cNvPr id="147" name="Google Shape;147;p19"/>
-          <p:cNvSpPr txBox="1"/>
-          <p:nvPr>
-            <p:ph idx="1" type="body"/>
-          </p:nvPr>
-        </p:nvSpPr>
-        <p:spPr>
-          <a:xfrm>
-            <a:off x="729450" y="2078875"/>
-            <a:ext cx="3842700" cy="2261100"/>
-          </a:xfrm>
-          <a:prstGeom prst="rect">
-            <a:avLst/>
-          </a:prstGeom>
-        </p:spPr>
-        <p:txBody>
-          <a:bodyPr anchorCtr="0" anchor="t" bIns="91425" lIns="91425" spcFirstLastPara="1" rIns="91425" wrap="square" tIns="91425">
+          <a:bodyPr anchorCtr="0" anchor="ctr" bIns="91425" lIns="91425" spcFirstLastPara="1" rIns="91425" wrap="square" tIns="91425">
             <a:normAutofit/>
           </a:bodyPr>
           <a:lstStyle/>
           <a:p>
-            <a:pPr indent="0" lvl="0" marL="0" rtl="0" algn="l">
+            <a:pPr indent="0" lvl="0" marL="0" rtl="0" algn="r">
               <a:spcBef>
                 <a:spcPts val="0"/>
               </a:spcBef>
@@ -9872,58 +10007,10 @@
               </a:spcAft>
               <a:buNone/>
             </a:pPr>
-            <a:r>
+            <a:fld id="{00000000-1234-1234-1234-123412341234}" type="slidenum">
               <a:rPr lang="en"/>
-              <a:t>4/1 - Completed Vuetify testing/planning</a:t>
-            </a:r>
-            <a:endParaRPr/>
-          </a:p>
-          <a:p>
-            <a:pPr indent="0" lvl="0" marL="0" rtl="0" algn="l">
-              <a:spcBef>
-                <a:spcPts val="1200"/>
-              </a:spcBef>
-              <a:spcAft>
-                <a:spcPts val="0"/>
-              </a:spcAft>
-              <a:buNone/>
-            </a:pPr>
-            <a:r>
-              <a:rPr lang="en"/>
-              <a:t>4/6 - Back-end architecture finalized</a:t>
-            </a:r>
-            <a:endParaRPr/>
-          </a:p>
-          <a:p>
-            <a:pPr indent="0" lvl="0" marL="0" rtl="0" algn="l">
-              <a:spcBef>
-                <a:spcPts val="1200"/>
-              </a:spcBef>
-              <a:spcAft>
-                <a:spcPts val="0"/>
-              </a:spcAft>
-              <a:buNone/>
-            </a:pPr>
-            <a:r>
-              <a:rPr lang="en"/>
-              <a:t>4/13 - Finalized front-end design</a:t>
-            </a:r>
-            <a:endParaRPr/>
-          </a:p>
-          <a:p>
-            <a:pPr indent="0" lvl="0" marL="0" rtl="0" algn="l">
-              <a:spcBef>
-                <a:spcPts val="1200"/>
-              </a:spcBef>
-              <a:spcAft>
-                <a:spcPts val="1200"/>
-              </a:spcAft>
-              <a:buNone/>
-            </a:pPr>
-            <a:r>
-              <a:rPr lang="en"/>
-              <a:t>4/23 - Testing &amp; back-end complete</a:t>
-            </a:r>
+              <a:t>‹#›</a:t>
+            </a:fld>
             <a:endParaRPr/>
           </a:p>
         </p:txBody>
@@ -9936,7 +10023,7 @@
 </p:sld>
 </file>
 
-<file path=ppt/slides/slide8.xml><?xml version="1.0" encoding="utf-8"?>
+<file path=ppt/slides/slide7.xml><?xml version="1.0" encoding="utf-8"?>
 <p:sld xmlns:a="http://schemas.openxmlformats.org/drawingml/2006/main" xmlns:r="http://schemas.openxmlformats.org/officeDocument/2006/relationships" xmlns:mc="http://schemas.openxmlformats.org/markup-compatibility/2006" xmlns:mv="urn:schemas-microsoft-com:mac:vml" xmlns:p="http://schemas.openxmlformats.org/presentationml/2006/main" xmlns:c="http://schemas.openxmlformats.org/drawingml/2006/chart" xmlns:dgm="http://schemas.openxmlformats.org/drawingml/2006/diagram" xmlns:o="urn:schemas-microsoft-com:office:office" xmlns:v="urn:schemas-microsoft-com:vml" xmlns:pvml="urn:schemas-microsoft-com:office:powerpoint" xmlns:com="http://schemas.openxmlformats.org/drawingml/2006/compatibility" xmlns:p14="http://schemas.microsoft.com/office/powerpoint/2010/main" xmlns:p15="http://schemas.microsoft.com/office/powerpoint/2012/main" xmlns:ahyp="http://schemas.microsoft.com/office/drawing/2018/hyperlinkcolor">
   <p:cSld>
     <p:spTree>
@@ -9955,7 +10042,7 @@
       </p:grpSpPr>
       <p:sp>
         <p:nvSpPr>
-          <p:cNvPr id="152" name="Google Shape;152;p20"/>
+          <p:cNvPr id="152" name="Google Shape;152;p19"/>
           <p:cNvSpPr txBox="1"/>
           <p:nvPr>
             <p:ph type="title"/>
@@ -9987,6 +10074,199 @@
             </a:pPr>
             <a:r>
               <a:rPr lang="en"/>
+              <a:t>Schedule</a:t>
+            </a:r>
+            <a:endParaRPr/>
+          </a:p>
+        </p:txBody>
+      </p:sp>
+      <p:sp>
+        <p:nvSpPr>
+          <p:cNvPr id="153" name="Google Shape;153;p19"/>
+          <p:cNvSpPr txBox="1"/>
+          <p:nvPr>
+            <p:ph idx="1" type="body"/>
+          </p:nvPr>
+        </p:nvSpPr>
+        <p:spPr>
+          <a:xfrm>
+            <a:off x="729450" y="2078875"/>
+            <a:ext cx="3842700" cy="2261100"/>
+          </a:xfrm>
+          <a:prstGeom prst="rect">
+            <a:avLst/>
+          </a:prstGeom>
+        </p:spPr>
+        <p:txBody>
+          <a:bodyPr anchorCtr="0" anchor="t" bIns="91425" lIns="91425" spcFirstLastPara="1" rIns="91425" wrap="square" tIns="91425">
+            <a:normAutofit/>
+          </a:bodyPr>
+          <a:lstStyle/>
+          <a:p>
+            <a:pPr indent="0" lvl="0" marL="0" rtl="0" algn="l">
+              <a:spcBef>
+                <a:spcPts val="0"/>
+              </a:spcBef>
+              <a:spcAft>
+                <a:spcPts val="0"/>
+              </a:spcAft>
+              <a:buNone/>
+            </a:pPr>
+            <a:r>
+              <a:rPr lang="en"/>
+              <a:t>4/1 - Completed Vuetify testing/planning</a:t>
+            </a:r>
+            <a:endParaRPr/>
+          </a:p>
+          <a:p>
+            <a:pPr indent="0" lvl="0" marL="0" rtl="0" algn="l">
+              <a:spcBef>
+                <a:spcPts val="1200"/>
+              </a:spcBef>
+              <a:spcAft>
+                <a:spcPts val="0"/>
+              </a:spcAft>
+              <a:buNone/>
+            </a:pPr>
+            <a:r>
+              <a:rPr lang="en"/>
+              <a:t>4/6 - Back-end architecture finalized</a:t>
+            </a:r>
+            <a:endParaRPr/>
+          </a:p>
+          <a:p>
+            <a:pPr indent="0" lvl="0" marL="0" rtl="0" algn="l">
+              <a:spcBef>
+                <a:spcPts val="1200"/>
+              </a:spcBef>
+              <a:spcAft>
+                <a:spcPts val="0"/>
+              </a:spcAft>
+              <a:buNone/>
+            </a:pPr>
+            <a:r>
+              <a:rPr lang="en"/>
+              <a:t>4/13 - Finalized front-end design</a:t>
+            </a:r>
+            <a:endParaRPr/>
+          </a:p>
+          <a:p>
+            <a:pPr indent="0" lvl="0" marL="0" rtl="0" algn="l">
+              <a:spcBef>
+                <a:spcPts val="1200"/>
+              </a:spcBef>
+              <a:spcAft>
+                <a:spcPts val="1200"/>
+              </a:spcAft>
+              <a:buNone/>
+            </a:pPr>
+            <a:r>
+              <a:rPr lang="en"/>
+              <a:t>4/23 - Testing &amp; back-end complete</a:t>
+            </a:r>
+            <a:endParaRPr/>
+          </a:p>
+        </p:txBody>
+      </p:sp>
+      <p:sp>
+        <p:nvSpPr>
+          <p:cNvPr id="154" name="Google Shape;154;p19"/>
+          <p:cNvSpPr txBox="1"/>
+          <p:nvPr>
+            <p:ph idx="12" type="sldNum"/>
+          </p:nvPr>
+        </p:nvSpPr>
+        <p:spPr>
+          <a:xfrm>
+            <a:off x="8536302" y="4749851"/>
+            <a:ext cx="548700" cy="393600"/>
+          </a:xfrm>
+          <a:prstGeom prst="rect">
+            <a:avLst/>
+          </a:prstGeom>
+        </p:spPr>
+        <p:txBody>
+          <a:bodyPr anchorCtr="0" anchor="ctr" bIns="91425" lIns="91425" spcFirstLastPara="1" rIns="91425" wrap="square" tIns="91425">
+            <a:normAutofit/>
+          </a:bodyPr>
+          <a:lstStyle/>
+          <a:p>
+            <a:pPr indent="0" lvl="0" marL="0" rtl="0" algn="r">
+              <a:spcBef>
+                <a:spcPts val="0"/>
+              </a:spcBef>
+              <a:spcAft>
+                <a:spcPts val="0"/>
+              </a:spcAft>
+              <a:buNone/>
+            </a:pPr>
+            <a:fld id="{00000000-1234-1234-1234-123412341234}" type="slidenum">
+              <a:rPr lang="en"/>
+              <a:t>‹#›</a:t>
+            </a:fld>
+            <a:endParaRPr/>
+          </a:p>
+        </p:txBody>
+      </p:sp>
+    </p:spTree>
+  </p:cSld>
+  <p:clrMapOvr>
+    <a:masterClrMapping/>
+  </p:clrMapOvr>
+</p:sld>
+</file>
+
+<file path=ppt/slides/slide8.xml><?xml version="1.0" encoding="utf-8"?>
+<p:sld xmlns:a="http://schemas.openxmlformats.org/drawingml/2006/main" xmlns:r="http://schemas.openxmlformats.org/officeDocument/2006/relationships" xmlns:mc="http://schemas.openxmlformats.org/markup-compatibility/2006" xmlns:mv="urn:schemas-microsoft-com:mac:vml" xmlns:p="http://schemas.openxmlformats.org/presentationml/2006/main" xmlns:c="http://schemas.openxmlformats.org/drawingml/2006/chart" xmlns:dgm="http://schemas.openxmlformats.org/drawingml/2006/diagram" xmlns:o="urn:schemas-microsoft-com:office:office" xmlns:v="urn:schemas-microsoft-com:vml" xmlns:pvml="urn:schemas-microsoft-com:office:powerpoint" xmlns:com="http://schemas.openxmlformats.org/drawingml/2006/compatibility" xmlns:p14="http://schemas.microsoft.com/office/powerpoint/2010/main" xmlns:p15="http://schemas.microsoft.com/office/powerpoint/2012/main" xmlns:ahyp="http://schemas.microsoft.com/office/drawing/2018/hyperlinkcolor">
+  <p:cSld>
+    <p:spTree>
+      <p:nvGrpSpPr>
+        <p:cNvPr id="158" name="Shape 158"/>
+        <p:cNvGrpSpPr/>
+        <p:nvPr/>
+      </p:nvGrpSpPr>
+      <p:grpSpPr>
+        <a:xfrm>
+          <a:off x="0" y="0"/>
+          <a:ext cx="0" cy="0"/>
+          <a:chOff x="0" y="0"/>
+          <a:chExt cx="0" cy="0"/>
+        </a:xfrm>
+      </p:grpSpPr>
+      <p:sp>
+        <p:nvSpPr>
+          <p:cNvPr id="159" name="Google Shape;159;p20"/>
+          <p:cNvSpPr txBox="1"/>
+          <p:nvPr>
+            <p:ph type="title"/>
+          </p:nvPr>
+        </p:nvSpPr>
+        <p:spPr>
+          <a:xfrm>
+            <a:off x="729450" y="1318650"/>
+            <a:ext cx="7688700" cy="535200"/>
+          </a:xfrm>
+          <a:prstGeom prst="rect">
+            <a:avLst/>
+          </a:prstGeom>
+        </p:spPr>
+        <p:txBody>
+          <a:bodyPr anchorCtr="0" anchor="t" bIns="91425" lIns="91425" spcFirstLastPara="1" rIns="91425" wrap="square" tIns="91425">
+            <a:normAutofit fontScale="90000"/>
+          </a:bodyPr>
+          <a:lstStyle/>
+          <a:p>
+            <a:pPr indent="0" lvl="0" marL="0" rtl="0" algn="l">
+              <a:spcBef>
+                <a:spcPts val="0"/>
+              </a:spcBef>
+              <a:spcAft>
+                <a:spcPts val="0"/>
+              </a:spcAft>
+              <a:buNone/>
+            </a:pPr>
+            <a:r>
+              <a:rPr lang="en"/>
               <a:t>Progress</a:t>
             </a:r>
             <a:endParaRPr/>
@@ -9995,7 +10275,7 @@
       </p:sp>
       <p:sp>
         <p:nvSpPr>
-          <p:cNvPr id="153" name="Google Shape;153;p20"/>
+          <p:cNvPr id="160" name="Google Shape;160;p20"/>
           <p:cNvSpPr txBox="1"/>
           <p:nvPr>
             <p:ph idx="1" type="body"/>
@@ -10059,7 +10339,7 @@
             </a:pPr>
             <a:r>
               <a:rPr lang="en" sz="1600"/>
-              <a:t>5/30 Complete, 16.7% Burndown (Currently on schedule)</a:t>
+              <a:t>5/20 Complete, 16.7% Burndown (Currently on schedule)</a:t>
             </a:r>
             <a:endParaRPr sz="1600"/>
           </a:p>
@@ -10078,6 +10358,46 @@
               <a:t>Tests: 0/15, 0% Coverage</a:t>
             </a:r>
             <a:endParaRPr sz="1600"/>
+          </a:p>
+        </p:txBody>
+      </p:sp>
+      <p:sp>
+        <p:nvSpPr>
+          <p:cNvPr id="161" name="Google Shape;161;p20"/>
+          <p:cNvSpPr txBox="1"/>
+          <p:nvPr>
+            <p:ph idx="12" type="sldNum"/>
+          </p:nvPr>
+        </p:nvSpPr>
+        <p:spPr>
+          <a:xfrm>
+            <a:off x="8536302" y="4749851"/>
+            <a:ext cx="548700" cy="393600"/>
+          </a:xfrm>
+          <a:prstGeom prst="rect">
+            <a:avLst/>
+          </a:prstGeom>
+        </p:spPr>
+        <p:txBody>
+          <a:bodyPr anchorCtr="0" anchor="ctr" bIns="91425" lIns="91425" spcFirstLastPara="1" rIns="91425" wrap="square" tIns="91425">
+            <a:normAutofit/>
+          </a:bodyPr>
+          <a:lstStyle/>
+          <a:p>
+            <a:pPr indent="0" lvl="0" marL="0" rtl="0" algn="r">
+              <a:spcBef>
+                <a:spcPts val="0"/>
+              </a:spcBef>
+              <a:spcAft>
+                <a:spcPts val="0"/>
+              </a:spcAft>
+              <a:buNone/>
+            </a:pPr>
+            <a:fld id="{00000000-1234-1234-1234-123412341234}" type="slidenum">
+              <a:rPr lang="en"/>
+              <a:t>‹#›</a:t>
+            </a:fld>
+            <a:endParaRPr/>
           </a:p>
         </p:txBody>
       </p:sp>
@@ -10094,7 +10414,7 @@
   <p:cSld>
     <p:spTree>
       <p:nvGrpSpPr>
-        <p:cNvPr id="157" name="Shape 157"/>
+        <p:cNvPr id="165" name="Shape 165"/>
         <p:cNvGrpSpPr/>
         <p:nvPr/>
       </p:nvGrpSpPr>
@@ -10108,7 +10428,7 @@
       </p:grpSpPr>
       <p:sp>
         <p:nvSpPr>
-          <p:cNvPr id="158" name="Google Shape;158;p21"/>
+          <p:cNvPr id="166" name="Google Shape;166;p21"/>
           <p:cNvSpPr txBox="1"/>
           <p:nvPr>
             <p:ph type="title"/>
@@ -10148,7 +10468,7 @@
       </p:sp>
       <p:pic>
         <p:nvPicPr>
-          <p:cNvPr id="159" name="Google Shape;159;p21"/>
+          <p:cNvPr id="167" name="Google Shape;167;p21"/>
           <p:cNvPicPr preferRelativeResize="0"/>
           <p:nvPr/>
         </p:nvPicPr>
@@ -10174,6 +10494,46 @@
           </a:ln>
         </p:spPr>
       </p:pic>
+      <p:sp>
+        <p:nvSpPr>
+          <p:cNvPr id="168" name="Google Shape;168;p21"/>
+          <p:cNvSpPr txBox="1"/>
+          <p:nvPr>
+            <p:ph idx="12" type="sldNum"/>
+          </p:nvPr>
+        </p:nvSpPr>
+        <p:spPr>
+          <a:xfrm>
+            <a:off x="8536302" y="4749851"/>
+            <a:ext cx="548700" cy="393600"/>
+          </a:xfrm>
+          <a:prstGeom prst="rect">
+            <a:avLst/>
+          </a:prstGeom>
+        </p:spPr>
+        <p:txBody>
+          <a:bodyPr anchorCtr="0" anchor="ctr" bIns="91425" lIns="91425" spcFirstLastPara="1" rIns="91425" wrap="square" tIns="91425">
+            <a:normAutofit/>
+          </a:bodyPr>
+          <a:lstStyle/>
+          <a:p>
+            <a:pPr indent="0" lvl="0" marL="0" rtl="0" algn="r">
+              <a:spcBef>
+                <a:spcPts val="0"/>
+              </a:spcBef>
+              <a:spcAft>
+                <a:spcPts val="0"/>
+              </a:spcAft>
+              <a:buNone/>
+            </a:pPr>
+            <a:fld id="{00000000-1234-1234-1234-123412341234}" type="slidenum">
+              <a:rPr lang="en"/>
+              <a:t>‹#›</a:t>
+            </a:fld>
+            <a:endParaRPr/>
+          </a:p>
+        </p:txBody>
+      </p:sp>
     </p:spTree>
   </p:cSld>
   <p:clrMapOvr>
@@ -10183,6 +10543,285 @@
 </file>
 
 <file path=ppt/theme/theme1.xml><?xml version="1.0" encoding="utf-8"?>
+<a:theme xmlns:a="http://schemas.openxmlformats.org/drawingml/2006/main" xmlns:r="http://schemas.openxmlformats.org/officeDocument/2006/relationships" name="Streamline">
+  <a:themeElements>
+    <a:clrScheme name="Streamline">
+      <a:dk1>
+        <a:srgbClr val="1A9988"/>
+      </a:dk1>
+      <a:lt1>
+        <a:srgbClr val="FFFFFF"/>
+      </a:lt1>
+      <a:dk2>
+        <a:srgbClr val="1A1A1A"/>
+      </a:dk2>
+      <a:lt2>
+        <a:srgbClr val="E9EDEE"/>
+      </a:lt2>
+      <a:accent1>
+        <a:srgbClr val="595959"/>
+      </a:accent1>
+      <a:accent2>
+        <a:srgbClr val="6AA4C8"/>
+      </a:accent2>
+      <a:accent3>
+        <a:srgbClr val="EB5600"/>
+      </a:accent3>
+      <a:accent4>
+        <a:srgbClr val="A2FFE8"/>
+      </a:accent4>
+      <a:accent5>
+        <a:srgbClr val="1C3678"/>
+      </a:accent5>
+      <a:accent6>
+        <a:srgbClr val="FFB8A2"/>
+      </a:accent6>
+      <a:hlink>
+        <a:srgbClr val="1C3678"/>
+      </a:hlink>
+      <a:folHlink>
+        <a:srgbClr val="1C3678"/>
+      </a:folHlink>
+    </a:clrScheme>
+    <a:fontScheme name="Office">
+      <a:majorFont>
+        <a:latin typeface="Arial"/>
+        <a:ea typeface=""/>
+        <a:cs typeface=""/>
+        <a:font script="Jpan" typeface="ＭＳ Ｐゴシック"/>
+        <a:font script="Hang" typeface="맑은 고딕"/>
+        <a:font script="Hans" typeface="宋体"/>
+        <a:font script="Hant" typeface="新細明體"/>
+        <a:font script="Arab" typeface="Times New Roman"/>
+        <a:font script="Hebr" typeface="Times New Roman"/>
+        <a:font script="Thai" typeface="Angsana New"/>
+        <a:font script="Ethi" typeface="Nyala"/>
+        <a:font script="Beng" typeface="Vrinda"/>
+        <a:font script="Gujr" typeface="Shruti"/>
+        <a:font script="Khmr" typeface="MoolBoran"/>
+        <a:font script="Knda" typeface="Tunga"/>
+        <a:font script="Guru" typeface="Raavi"/>
+        <a:font script="Cans" typeface="Euphemia"/>
+        <a:font script="Cher" typeface="Plantagenet Cherokee"/>
+        <a:font script="Yiii" typeface="Microsoft Yi Baiti"/>
+        <a:font script="Tibt" typeface="Microsoft Himalaya"/>
+        <a:font script="Thaa" typeface="MV Boli"/>
+        <a:font script="Deva" typeface="Mangal"/>
+        <a:font script="Telu" typeface="Gautami"/>
+        <a:font script="Taml" typeface="Latha"/>
+        <a:font script="Syrc" typeface="Estrangelo Edessa"/>
+        <a:font script="Orya" typeface="Kalinga"/>
+        <a:font script="Mlym" typeface="Kartika"/>
+        <a:font script="Laoo" typeface="DokChampa"/>
+        <a:font script="Sinh" typeface="Iskoola Pota"/>
+        <a:font script="Mong" typeface="Mongolian Baiti"/>
+        <a:font script="Viet" typeface="Times New Roman"/>
+        <a:font script="Uigh" typeface="Microsoft Uighur"/>
+        <a:font script="Geor" typeface="Sylfaen"/>
+      </a:majorFont>
+      <a:minorFont>
+        <a:latin typeface="Arial"/>
+        <a:ea typeface=""/>
+        <a:cs typeface=""/>
+        <a:font script="Jpan" typeface="ＭＳ Ｐゴシック"/>
+        <a:font script="Hang" typeface="맑은 고딕"/>
+        <a:font script="Hans" typeface="宋体"/>
+        <a:font script="Hant" typeface="新細明體"/>
+        <a:font script="Arab" typeface="Arial"/>
+        <a:font script="Hebr" typeface="Arial"/>
+        <a:font script="Thai" typeface="Cordia New"/>
+        <a:font script="Ethi" typeface="Nyala"/>
+        <a:font script="Beng" typeface="Vrinda"/>
+        <a:font script="Gujr" typeface="Shruti"/>
+        <a:font script="Khmr" typeface="DaunPenh"/>
+        <a:font script="Knda" typeface="Tunga"/>
+        <a:font script="Guru" typeface="Raavi"/>
+        <a:font script="Cans" typeface="Euphemia"/>
+        <a:font script="Cher" typeface="Plantagenet Cherokee"/>
+        <a:font script="Yiii" typeface="Microsoft Yi Baiti"/>
+        <a:font script="Tibt" typeface="Microsoft Himalaya"/>
+        <a:font script="Thaa" typeface="MV Boli"/>
+        <a:font script="Deva" typeface="Mangal"/>
+        <a:font script="Telu" typeface="Gautami"/>
+        <a:font script="Taml" typeface="Latha"/>
+        <a:font script="Syrc" typeface="Estrangelo Edessa"/>
+        <a:font script="Orya" typeface="Kalinga"/>
+        <a:font script="Mlym" typeface="Kartika"/>
+        <a:font script="Laoo" typeface="DokChampa"/>
+        <a:font script="Sinh" typeface="Iskoola Pota"/>
+        <a:font script="Mong" typeface="Mongolian Baiti"/>
+        <a:font script="Viet" typeface="Arial"/>
+        <a:font script="Uigh" typeface="Microsoft Uighur"/>
+        <a:font script="Geor" typeface="Sylfaen"/>
+      </a:minorFont>
+    </a:fontScheme>
+    <a:fmtScheme name="Office">
+      <a:fillStyleLst>
+        <a:solidFill>
+          <a:schemeClr val="phClr"/>
+        </a:solidFill>
+        <a:gradFill rotWithShape="1">
+          <a:gsLst>
+            <a:gs pos="0">
+              <a:schemeClr val="phClr">
+                <a:tint val="50000"/>
+                <a:satMod val="300000"/>
+              </a:schemeClr>
+            </a:gs>
+            <a:gs pos="35000">
+              <a:schemeClr val="phClr">
+                <a:tint val="37000"/>
+                <a:satMod val="300000"/>
+              </a:schemeClr>
+            </a:gs>
+            <a:gs pos="100000">
+              <a:schemeClr val="phClr">
+                <a:tint val="15000"/>
+                <a:satMod val="350000"/>
+              </a:schemeClr>
+            </a:gs>
+          </a:gsLst>
+          <a:lin ang="16200000" scaled="1"/>
+        </a:gradFill>
+        <a:gradFill rotWithShape="1">
+          <a:gsLst>
+            <a:gs pos="0">
+              <a:schemeClr val="phClr">
+                <a:tint val="100000"/>
+                <a:shade val="100000"/>
+                <a:satMod val="130000"/>
+              </a:schemeClr>
+            </a:gs>
+            <a:gs pos="100000">
+              <a:schemeClr val="phClr">
+                <a:tint val="50000"/>
+                <a:shade val="100000"/>
+                <a:satMod val="350000"/>
+              </a:schemeClr>
+            </a:gs>
+          </a:gsLst>
+          <a:lin ang="16200000" scaled="0"/>
+        </a:gradFill>
+      </a:fillStyleLst>
+      <a:lnStyleLst>
+        <a:ln w="9525" cap="flat" cmpd="sng" algn="ctr">
+          <a:solidFill>
+            <a:schemeClr val="phClr">
+              <a:shade val="95000"/>
+              <a:satMod val="105000"/>
+            </a:schemeClr>
+          </a:solidFill>
+          <a:prstDash val="solid"/>
+        </a:ln>
+        <a:ln w="25400" cap="flat" cmpd="sng" algn="ctr">
+          <a:solidFill>
+            <a:schemeClr val="phClr"/>
+          </a:solidFill>
+          <a:prstDash val="solid"/>
+        </a:ln>
+        <a:ln w="38100" cap="flat" cmpd="sng" algn="ctr">
+          <a:solidFill>
+            <a:schemeClr val="phClr"/>
+          </a:solidFill>
+          <a:prstDash val="solid"/>
+        </a:ln>
+      </a:lnStyleLst>
+      <a:effectStyleLst>
+        <a:effectStyle>
+          <a:effectLst>
+            <a:outerShdw blurRad="40000" dist="20000" dir="5400000" rotWithShape="0">
+              <a:srgbClr val="000000">
+                <a:alpha val="38000"/>
+              </a:srgbClr>
+            </a:outerShdw>
+          </a:effectLst>
+        </a:effectStyle>
+        <a:effectStyle>
+          <a:effectLst>
+            <a:outerShdw blurRad="40000" dist="23000" dir="5400000" rotWithShape="0">
+              <a:srgbClr val="000000">
+                <a:alpha val="35000"/>
+              </a:srgbClr>
+            </a:outerShdw>
+          </a:effectLst>
+        </a:effectStyle>
+        <a:effectStyle>
+          <a:effectLst>
+            <a:outerShdw blurRad="40000" dist="23000" dir="5400000" rotWithShape="0">
+              <a:srgbClr val="000000">
+                <a:alpha val="35000"/>
+              </a:srgbClr>
+            </a:outerShdw>
+          </a:effectLst>
+          <a:scene3d>
+            <a:camera prst="orthographicFront">
+              <a:rot lat="0" lon="0" rev="0"/>
+            </a:camera>
+            <a:lightRig rig="threePt" dir="t">
+              <a:rot lat="0" lon="0" rev="1200000"/>
+            </a:lightRig>
+          </a:scene3d>
+          <a:sp3d>
+            <a:bevelT w="63500" h="25400"/>
+          </a:sp3d>
+        </a:effectStyle>
+      </a:effectStyleLst>
+      <a:bgFillStyleLst>
+        <a:solidFill>
+          <a:schemeClr val="phClr"/>
+        </a:solidFill>
+        <a:gradFill rotWithShape="1">
+          <a:gsLst>
+            <a:gs pos="0">
+              <a:schemeClr val="phClr">
+                <a:tint val="40000"/>
+                <a:satMod val="350000"/>
+              </a:schemeClr>
+            </a:gs>
+            <a:gs pos="40000">
+              <a:schemeClr val="phClr">
+                <a:tint val="45000"/>
+                <a:shade val="99000"/>
+                <a:satMod val="350000"/>
+              </a:schemeClr>
+            </a:gs>
+            <a:gs pos="100000">
+              <a:schemeClr val="phClr">
+                <a:shade val="20000"/>
+                <a:satMod val="255000"/>
+              </a:schemeClr>
+            </a:gs>
+          </a:gsLst>
+          <a:path path="circle">
+            <a:fillToRect l="50000" t="-80000" r="50000" b="180000"/>
+          </a:path>
+        </a:gradFill>
+        <a:gradFill rotWithShape="1">
+          <a:gsLst>
+            <a:gs pos="0">
+              <a:schemeClr val="phClr">
+                <a:tint val="80000"/>
+                <a:satMod val="300000"/>
+              </a:schemeClr>
+            </a:gs>
+            <a:gs pos="100000">
+              <a:schemeClr val="phClr">
+                <a:shade val="30000"/>
+                <a:satMod val="200000"/>
+              </a:schemeClr>
+            </a:gs>
+          </a:gsLst>
+          <a:path path="circle">
+            <a:fillToRect l="50000" t="50000" r="50000" b="50000"/>
+          </a:path>
+        </a:gradFill>
+      </a:bgFillStyleLst>
+    </a:fmtScheme>
+  </a:themeElements>
+</a:theme>
+</file>
+
+<file path=ppt/theme/theme2.xml><?xml version="1.0" encoding="utf-8"?>
 <a:theme xmlns:a="http://schemas.openxmlformats.org/drawingml/2006/main" xmlns:r="http://schemas.openxmlformats.org/officeDocument/2006/relationships">
   <a:themeElements>
     <a:clrScheme name="Default">
@@ -10459,283 +11098,4 @@
     </a:fmtScheme>
   </a:themeElements>
 </a:theme>
-</file>
-
-<file path=ppt/theme/theme2.xml><?xml version="1.0" encoding="utf-8"?>
-<a:theme xmlns:a="http://schemas.openxmlformats.org/drawingml/2006/main" xmlns:r="http://schemas.openxmlformats.org/officeDocument/2006/relationships" name="Streamline">
-  <a:themeElements>
-    <a:clrScheme name="Streamline">
-      <a:dk1>
-        <a:srgbClr val="1A9988"/>
-      </a:dk1>
-      <a:lt1>
-        <a:srgbClr val="FFFFFF"/>
-      </a:lt1>
-      <a:dk2>
-        <a:srgbClr val="1A1A1A"/>
-      </a:dk2>
-      <a:lt2>
-        <a:srgbClr val="E9EDEE"/>
-      </a:lt2>
-      <a:accent1>
-        <a:srgbClr val="595959"/>
-      </a:accent1>
-      <a:accent2>
-        <a:srgbClr val="6AA4C8"/>
-      </a:accent2>
-      <a:accent3>
-        <a:srgbClr val="EB5600"/>
-      </a:accent3>
-      <a:accent4>
-        <a:srgbClr val="A2FFE8"/>
-      </a:accent4>
-      <a:accent5>
-        <a:srgbClr val="1C3678"/>
-      </a:accent5>
-      <a:accent6>
-        <a:srgbClr val="FFB8A2"/>
-      </a:accent6>
-      <a:hlink>
-        <a:srgbClr val="1C3678"/>
-      </a:hlink>
-      <a:folHlink>
-        <a:srgbClr val="1C3678"/>
-      </a:folHlink>
-    </a:clrScheme>
-    <a:fontScheme name="Office">
-      <a:majorFont>
-        <a:latin typeface="Arial"/>
-        <a:ea typeface=""/>
-        <a:cs typeface=""/>
-        <a:font script="Jpan" typeface="ＭＳ Ｐゴシック"/>
-        <a:font script="Hang" typeface="맑은 고딕"/>
-        <a:font script="Hans" typeface="宋体"/>
-        <a:font script="Hant" typeface="新細明體"/>
-        <a:font script="Arab" typeface="Times New Roman"/>
-        <a:font script="Hebr" typeface="Times New Roman"/>
-        <a:font script="Thai" typeface="Angsana New"/>
-        <a:font script="Ethi" typeface="Nyala"/>
-        <a:font script="Beng" typeface="Vrinda"/>
-        <a:font script="Gujr" typeface="Shruti"/>
-        <a:font script="Khmr" typeface="MoolBoran"/>
-        <a:font script="Knda" typeface="Tunga"/>
-        <a:font script="Guru" typeface="Raavi"/>
-        <a:font script="Cans" typeface="Euphemia"/>
-        <a:font script="Cher" typeface="Plantagenet Cherokee"/>
-        <a:font script="Yiii" typeface="Microsoft Yi Baiti"/>
-        <a:font script="Tibt" typeface="Microsoft Himalaya"/>
-        <a:font script="Thaa" typeface="MV Boli"/>
-        <a:font script="Deva" typeface="Mangal"/>
-        <a:font script="Telu" typeface="Gautami"/>
-        <a:font script="Taml" typeface="Latha"/>
-        <a:font script="Syrc" typeface="Estrangelo Edessa"/>
-        <a:font script="Orya" typeface="Kalinga"/>
-        <a:font script="Mlym" typeface="Kartika"/>
-        <a:font script="Laoo" typeface="DokChampa"/>
-        <a:font script="Sinh" typeface="Iskoola Pota"/>
-        <a:font script="Mong" typeface="Mongolian Baiti"/>
-        <a:font script="Viet" typeface="Times New Roman"/>
-        <a:font script="Uigh" typeface="Microsoft Uighur"/>
-        <a:font script="Geor" typeface="Sylfaen"/>
-      </a:majorFont>
-      <a:minorFont>
-        <a:latin typeface="Arial"/>
-        <a:ea typeface=""/>
-        <a:cs typeface=""/>
-        <a:font script="Jpan" typeface="ＭＳ Ｐゴシック"/>
-        <a:font script="Hang" typeface="맑은 고딕"/>
-        <a:font script="Hans" typeface="宋体"/>
-        <a:font script="Hant" typeface="新細明體"/>
-        <a:font script="Arab" typeface="Arial"/>
-        <a:font script="Hebr" typeface="Arial"/>
-        <a:font script="Thai" typeface="Cordia New"/>
-        <a:font script="Ethi" typeface="Nyala"/>
-        <a:font script="Beng" typeface="Vrinda"/>
-        <a:font script="Gujr" typeface="Shruti"/>
-        <a:font script="Khmr" typeface="DaunPenh"/>
-        <a:font script="Knda" typeface="Tunga"/>
-        <a:font script="Guru" typeface="Raavi"/>
-        <a:font script="Cans" typeface="Euphemia"/>
-        <a:font script="Cher" typeface="Plantagenet Cherokee"/>
-        <a:font script="Yiii" typeface="Microsoft Yi Baiti"/>
-        <a:font script="Tibt" typeface="Microsoft Himalaya"/>
-        <a:font script="Thaa" typeface="MV Boli"/>
-        <a:font script="Deva" typeface="Mangal"/>
-        <a:font script="Telu" typeface="Gautami"/>
-        <a:font script="Taml" typeface="Latha"/>
-        <a:font script="Syrc" typeface="Estrangelo Edessa"/>
-        <a:font script="Orya" typeface="Kalinga"/>
-        <a:font script="Mlym" typeface="Kartika"/>
-        <a:font script="Laoo" typeface="DokChampa"/>
-        <a:font script="Sinh" typeface="Iskoola Pota"/>
-        <a:font script="Mong" typeface="Mongolian Baiti"/>
-        <a:font script="Viet" typeface="Arial"/>
-        <a:font script="Uigh" typeface="Microsoft Uighur"/>
-        <a:font script="Geor" typeface="Sylfaen"/>
-      </a:minorFont>
-    </a:fontScheme>
-    <a:fmtScheme name="Office">
-      <a:fillStyleLst>
-        <a:solidFill>
-          <a:schemeClr val="phClr"/>
-        </a:solidFill>
-        <a:gradFill rotWithShape="1">
-          <a:gsLst>
-            <a:gs pos="0">
-              <a:schemeClr val="phClr">
-                <a:tint val="50000"/>
-                <a:satMod val="300000"/>
-              </a:schemeClr>
-            </a:gs>
-            <a:gs pos="35000">
-              <a:schemeClr val="phClr">
-                <a:tint val="37000"/>
-                <a:satMod val="300000"/>
-              </a:schemeClr>
-            </a:gs>
-            <a:gs pos="100000">
-              <a:schemeClr val="phClr">
-                <a:tint val="15000"/>
-                <a:satMod val="350000"/>
-              </a:schemeClr>
-            </a:gs>
-          </a:gsLst>
-          <a:lin ang="16200000" scaled="1"/>
-        </a:gradFill>
-        <a:gradFill rotWithShape="1">
-          <a:gsLst>
-            <a:gs pos="0">
-              <a:schemeClr val="phClr">
-                <a:tint val="100000"/>
-                <a:shade val="100000"/>
-                <a:satMod val="130000"/>
-              </a:schemeClr>
-            </a:gs>
-            <a:gs pos="100000">
-              <a:schemeClr val="phClr">
-                <a:tint val="50000"/>
-                <a:shade val="100000"/>
-                <a:satMod val="350000"/>
-              </a:schemeClr>
-            </a:gs>
-          </a:gsLst>
-          <a:lin ang="16200000" scaled="0"/>
-        </a:gradFill>
-      </a:fillStyleLst>
-      <a:lnStyleLst>
-        <a:ln w="9525" cap="flat" cmpd="sng" algn="ctr">
-          <a:solidFill>
-            <a:schemeClr val="phClr">
-              <a:shade val="95000"/>
-              <a:satMod val="105000"/>
-            </a:schemeClr>
-          </a:solidFill>
-          <a:prstDash val="solid"/>
-        </a:ln>
-        <a:ln w="25400" cap="flat" cmpd="sng" algn="ctr">
-          <a:solidFill>
-            <a:schemeClr val="phClr"/>
-          </a:solidFill>
-          <a:prstDash val="solid"/>
-        </a:ln>
-        <a:ln w="38100" cap="flat" cmpd="sng" algn="ctr">
-          <a:solidFill>
-            <a:schemeClr val="phClr"/>
-          </a:solidFill>
-          <a:prstDash val="solid"/>
-        </a:ln>
-      </a:lnStyleLst>
-      <a:effectStyleLst>
-        <a:effectStyle>
-          <a:effectLst>
-            <a:outerShdw blurRad="40000" dist="20000" dir="5400000" rotWithShape="0">
-              <a:srgbClr val="000000">
-                <a:alpha val="38000"/>
-              </a:srgbClr>
-            </a:outerShdw>
-          </a:effectLst>
-        </a:effectStyle>
-        <a:effectStyle>
-          <a:effectLst>
-            <a:outerShdw blurRad="40000" dist="23000" dir="5400000" rotWithShape="0">
-              <a:srgbClr val="000000">
-                <a:alpha val="35000"/>
-              </a:srgbClr>
-            </a:outerShdw>
-          </a:effectLst>
-        </a:effectStyle>
-        <a:effectStyle>
-          <a:effectLst>
-            <a:outerShdw blurRad="40000" dist="23000" dir="5400000" rotWithShape="0">
-              <a:srgbClr val="000000">
-                <a:alpha val="35000"/>
-              </a:srgbClr>
-            </a:outerShdw>
-          </a:effectLst>
-          <a:scene3d>
-            <a:camera prst="orthographicFront">
-              <a:rot lat="0" lon="0" rev="0"/>
-            </a:camera>
-            <a:lightRig rig="threePt" dir="t">
-              <a:rot lat="0" lon="0" rev="1200000"/>
-            </a:lightRig>
-          </a:scene3d>
-          <a:sp3d>
-            <a:bevelT w="63500" h="25400"/>
-          </a:sp3d>
-        </a:effectStyle>
-      </a:effectStyleLst>
-      <a:bgFillStyleLst>
-        <a:solidFill>
-          <a:schemeClr val="phClr"/>
-        </a:solidFill>
-        <a:gradFill rotWithShape="1">
-          <a:gsLst>
-            <a:gs pos="0">
-              <a:schemeClr val="phClr">
-                <a:tint val="40000"/>
-                <a:satMod val="350000"/>
-              </a:schemeClr>
-            </a:gs>
-            <a:gs pos="40000">
-              <a:schemeClr val="phClr">
-                <a:tint val="45000"/>
-                <a:shade val="99000"/>
-                <a:satMod val="350000"/>
-              </a:schemeClr>
-            </a:gs>
-            <a:gs pos="100000">
-              <a:schemeClr val="phClr">
-                <a:shade val="20000"/>
-                <a:satMod val="255000"/>
-              </a:schemeClr>
-            </a:gs>
-          </a:gsLst>
-          <a:path path="circle">
-            <a:fillToRect l="50000" t="-80000" r="50000" b="180000"/>
-          </a:path>
-        </a:gradFill>
-        <a:gradFill rotWithShape="1">
-          <a:gsLst>
-            <a:gs pos="0">
-              <a:schemeClr val="phClr">
-                <a:tint val="80000"/>
-                <a:satMod val="300000"/>
-              </a:schemeClr>
-            </a:gs>
-            <a:gs pos="100000">
-              <a:schemeClr val="phClr">
-                <a:shade val="30000"/>
-                <a:satMod val="200000"/>
-              </a:schemeClr>
-            </a:gs>
-          </a:gsLst>
-          <a:path path="circle">
-            <a:fillToRect l="50000" t="50000" r="50000" b="50000"/>
-          </a:path>
-        </a:gradFill>
-      </a:bgFillStyleLst>
-    </a:fmtScheme>
-  </a:themeElements>
-</a:theme>
 </file>